--- a/Apresentacao.pptx
+++ b/Apresentacao.pptx
@@ -9,18 +9,17 @@
     <p:sldId id="257" r:id="rId3"/>
     <p:sldId id="263" r:id="rId4"/>
     <p:sldId id="258" r:id="rId5"/>
-    <p:sldId id="259" r:id="rId6"/>
-    <p:sldId id="271" r:id="rId7"/>
-    <p:sldId id="260" r:id="rId8"/>
-    <p:sldId id="264" r:id="rId9"/>
-    <p:sldId id="265" r:id="rId10"/>
-    <p:sldId id="262" r:id="rId11"/>
-    <p:sldId id="261" r:id="rId12"/>
-    <p:sldId id="266" r:id="rId13"/>
-    <p:sldId id="267" r:id="rId14"/>
-    <p:sldId id="268" r:id="rId15"/>
-    <p:sldId id="269" r:id="rId16"/>
-    <p:sldId id="270" r:id="rId17"/>
+    <p:sldId id="271" r:id="rId6"/>
+    <p:sldId id="260" r:id="rId7"/>
+    <p:sldId id="264" r:id="rId8"/>
+    <p:sldId id="265" r:id="rId9"/>
+    <p:sldId id="262" r:id="rId10"/>
+    <p:sldId id="261" r:id="rId11"/>
+    <p:sldId id="266" r:id="rId12"/>
+    <p:sldId id="267" r:id="rId13"/>
+    <p:sldId id="268" r:id="rId14"/>
+    <p:sldId id="269" r:id="rId15"/>
+    <p:sldId id="270" r:id="rId16"/>
   </p:sldIdLst>
   <p:sldSz cx="12192000" cy="6858000"/>
   <p:notesSz cx="6858000" cy="9144000"/>
@@ -119,6 +118,11 @@
       </a:defRPr>
     </a:lvl9pPr>
   </p:defaultTextStyle>
+  <p:extLst>
+    <p:ext uri="{EFAFB233-063F-42B5-8137-9DF3F51BA10A}">
+      <p15:sldGuideLst xmlns:p15="http://schemas.microsoft.com/office/powerpoint/2012/main"/>
+    </p:ext>
+  </p:extLst>
 </p:presentation>
 </file>
 
@@ -5884,92 +5888,6 @@
           <a:p>
             <a:r>
               <a:rPr lang="pt-BR" dirty="0" smtClean="0"/>
-              <a:t>Pontos não abordados</a:t>
-            </a:r>
-            <a:endParaRPr lang="pt-BR" dirty="0"/>
-          </a:p>
-        </p:txBody>
-      </p:sp>
-      <p:sp>
-        <p:nvSpPr>
-          <p:cNvPr id="3" name="Espaço Reservado para Conteúdo 2"/>
-          <p:cNvSpPr>
-            <a:spLocks noGrp="1"/>
-          </p:cNvSpPr>
-          <p:nvPr>
-            <p:ph idx="1"/>
-          </p:nvPr>
-        </p:nvSpPr>
-        <p:spPr/>
-        <p:txBody>
-          <a:bodyPr/>
-          <a:lstStyle/>
-          <a:p>
-            <a:r>
-              <a:rPr lang="pt-BR" dirty="0"/>
-              <a:t>Testar novas técnicas e realizar </a:t>
-            </a:r>
-            <a:r>
-              <a:rPr lang="pt-BR" dirty="0" smtClean="0"/>
-              <a:t>comparações</a:t>
-            </a:r>
-          </a:p>
-          <a:p>
-            <a:r>
-              <a:rPr lang="pt-BR" dirty="0" smtClean="0"/>
-              <a:t>No final, o projeto abordou novos temas e não testou soluções diferentes para validar qual a mais eficiente</a:t>
-            </a:r>
-            <a:endParaRPr lang="pt-BR" dirty="0"/>
-          </a:p>
-        </p:txBody>
-      </p:sp>
-    </p:spTree>
-    <p:extLst>
-      <p:ext uri="{BB962C8B-B14F-4D97-AF65-F5344CB8AC3E}">
-        <p14:creationId xmlns:p14="http://schemas.microsoft.com/office/powerpoint/2010/main" val="3103695961"/>
-      </p:ext>
-    </p:extLst>
-  </p:cSld>
-  <p:clrMapOvr>
-    <a:masterClrMapping/>
-  </p:clrMapOvr>
-</p:sld>
-</file>
-
-<file path=ppt/slides/slide11.xml><?xml version="1.0" encoding="utf-8"?>
-<p:sld xmlns:a="http://schemas.openxmlformats.org/drawingml/2006/main" xmlns:r="http://schemas.openxmlformats.org/officeDocument/2006/relationships" xmlns:p="http://schemas.openxmlformats.org/presentationml/2006/main">
-  <p:cSld>
-    <p:spTree>
-      <p:nvGrpSpPr>
-        <p:cNvPr id="1" name=""/>
-        <p:cNvGrpSpPr/>
-        <p:nvPr/>
-      </p:nvGrpSpPr>
-      <p:grpSpPr>
-        <a:xfrm>
-          <a:off x="0" y="0"/>
-          <a:ext cx="0" cy="0"/>
-          <a:chOff x="0" y="0"/>
-          <a:chExt cx="0" cy="0"/>
-        </a:xfrm>
-      </p:grpSpPr>
-      <p:sp>
-        <p:nvSpPr>
-          <p:cNvPr id="2" name="Título 1"/>
-          <p:cNvSpPr>
-            <a:spLocks noGrp="1"/>
-          </p:cNvSpPr>
-          <p:nvPr>
-            <p:ph type="title"/>
-          </p:nvPr>
-        </p:nvSpPr>
-        <p:spPr/>
-        <p:txBody>
-          <a:bodyPr/>
-          <a:lstStyle/>
-          <a:p>
-            <a:r>
-              <a:rPr lang="pt-BR" dirty="0" smtClean="0"/>
               <a:t>Resultados – base com 200 pontos</a:t>
             </a:r>
             <a:endParaRPr lang="pt-BR" dirty="0"/>
@@ -6018,7 +5936,7 @@
 </p:sld>
 </file>
 
-<file path=ppt/slides/slide12.xml><?xml version="1.0" encoding="utf-8"?>
+<file path=ppt/slides/slide11.xml><?xml version="1.0" encoding="utf-8"?>
 <p:sld xmlns:a="http://schemas.openxmlformats.org/drawingml/2006/main" xmlns:r="http://schemas.openxmlformats.org/officeDocument/2006/relationships" xmlns:p="http://schemas.openxmlformats.org/presentationml/2006/main">
   <p:cSld>
     <p:spTree>
@@ -6077,7 +5995,7 @@
 </p:sld>
 </file>
 
-<file path=ppt/slides/slide13.xml><?xml version="1.0" encoding="utf-8"?>
+<file path=ppt/slides/slide12.xml><?xml version="1.0" encoding="utf-8"?>
 <p:sld xmlns:a="http://schemas.openxmlformats.org/drawingml/2006/main" xmlns:r="http://schemas.openxmlformats.org/officeDocument/2006/relationships" xmlns:p="http://schemas.openxmlformats.org/presentationml/2006/main">
   <p:cSld>
     <p:spTree>
@@ -6159,7 +6077,7 @@
 </p:sld>
 </file>
 
-<file path=ppt/slides/slide14.xml><?xml version="1.0" encoding="utf-8"?>
+<file path=ppt/slides/slide13.xml><?xml version="1.0" encoding="utf-8"?>
 <p:sld xmlns:a="http://schemas.openxmlformats.org/drawingml/2006/main" xmlns:r="http://schemas.openxmlformats.org/officeDocument/2006/relationships" xmlns:p="http://schemas.openxmlformats.org/presentationml/2006/main">
   <p:cSld>
     <p:spTree>
@@ -6218,7 +6136,7 @@
 </p:sld>
 </file>
 
-<file path=ppt/slides/slide15.xml><?xml version="1.0" encoding="utf-8"?>
+<file path=ppt/slides/slide14.xml><?xml version="1.0" encoding="utf-8"?>
 <p:sld xmlns:a="http://schemas.openxmlformats.org/drawingml/2006/main" xmlns:r="http://schemas.openxmlformats.org/officeDocument/2006/relationships" xmlns:p="http://schemas.openxmlformats.org/presentationml/2006/main">
   <p:cSld>
     <p:spTree>
@@ -6300,7 +6218,7 @@
 </p:sld>
 </file>
 
-<file path=ppt/slides/slide16.xml><?xml version="1.0" encoding="utf-8"?>
+<file path=ppt/slides/slide15.xml><?xml version="1.0" encoding="utf-8"?>
 <p:sld xmlns:a="http://schemas.openxmlformats.org/drawingml/2006/main" xmlns:r="http://schemas.openxmlformats.org/officeDocument/2006/relationships" xmlns:p="http://schemas.openxmlformats.org/presentationml/2006/main">
   <p:cSld>
     <p:spTree>
@@ -6434,7 +6352,17 @@
           <a:p>
             <a:r>
               <a:rPr lang="pt-BR" dirty="0" smtClean="0"/>
-              <a:t>Abordar novos pontos</a:t>
+              <a:t>Abordar novos </a:t>
+            </a:r>
+            <a:r>
+              <a:rPr lang="pt-BR" dirty="0" smtClean="0"/>
+              <a:t>pontos</a:t>
+            </a:r>
+          </a:p>
+          <a:p>
+            <a:r>
+              <a:rPr lang="pt-BR" dirty="0" smtClean="0"/>
+              <a:t>Experimentar o algoritmo genético como solução para o problema do caixeiro viajante</a:t>
             </a:r>
             <a:endParaRPr lang="pt-BR" dirty="0"/>
           </a:p>
@@ -6508,6 +6436,44 @@
           <a:bodyPr/>
           <a:lstStyle/>
           <a:p>
+            <a:r>
+              <a:rPr lang="pt-BR" dirty="0" smtClean="0"/>
+              <a:t>De acordo com </a:t>
+            </a:r>
+            <a:r>
+              <a:rPr lang="pt-BR" dirty="0" err="1" smtClean="0"/>
+              <a:t>Yong</a:t>
+            </a:r>
+            <a:r>
+              <a:rPr lang="pt-BR" dirty="0" smtClean="0"/>
+              <a:t> </a:t>
+            </a:r>
+            <a:r>
+              <a:rPr lang="pt-BR" dirty="0" err="1" smtClean="0"/>
+              <a:t>Shi</a:t>
+            </a:r>
+            <a:r>
+              <a:rPr lang="pt-BR" dirty="0" smtClean="0"/>
+              <a:t> e </a:t>
+            </a:r>
+            <a:r>
+              <a:rPr lang="pt-BR" dirty="0" err="1" smtClean="0"/>
+              <a:t>Yuanying</a:t>
+            </a:r>
+            <a:r>
+              <a:rPr lang="pt-BR" dirty="0" smtClean="0"/>
+              <a:t> Zhang (2021), o problema descreve um viajante que quer passar por n cidades, sendo necessário passar somente e necessariamente uma vez por cada cidade, retornando ao ponto inicial no final do processo. </a:t>
+            </a:r>
+            <a:r>
+              <a:rPr lang="pt-BR" dirty="0" smtClean="0"/>
+              <a:t>A distancia percorrida deve ser minimizada.</a:t>
+            </a:r>
+          </a:p>
+          <a:p>
+            <a:r>
+              <a:rPr lang="pt-BR" dirty="0" smtClean="0"/>
+              <a:t>O problema se configura como NP difícil e não há algoritmo capaz de encontrar a solução ótima em um tempo polinomial, também apontando pelos autores acima.</a:t>
+            </a:r>
             <a:endParaRPr lang="pt-BR" dirty="0"/>
           </a:p>
         </p:txBody>
@@ -6735,7 +6701,7 @@
           <a:p>
             <a:r>
               <a:rPr lang="pt-BR" dirty="0" smtClean="0"/>
-              <a:t>objetivos do estudo</a:t>
+              <a:t>Metodologia – Algoritmo genético</a:t>
             </a:r>
             <a:endParaRPr lang="pt-BR" dirty="0"/>
           </a:p>
@@ -6758,81 +6724,50 @@
           <a:p>
             <a:r>
               <a:rPr lang="pt-BR" dirty="0" smtClean="0"/>
-              <a:t>Minimizar a distância percorrida</a:t>
-            </a:r>
-            <a:endParaRPr lang="pt-BR" dirty="0"/>
-          </a:p>
-        </p:txBody>
-      </p:sp>
-    </p:spTree>
-    <p:extLst>
-      <p:ext uri="{BB962C8B-B14F-4D97-AF65-F5344CB8AC3E}">
-        <p14:creationId xmlns:p14="http://schemas.microsoft.com/office/powerpoint/2010/main" val="944438739"/>
-      </p:ext>
-    </p:extLst>
-  </p:cSld>
-  <p:clrMapOvr>
-    <a:masterClrMapping/>
-  </p:clrMapOvr>
-</p:sld>
-</file>
-
-<file path=ppt/slides/slide6.xml><?xml version="1.0" encoding="utf-8"?>
-<p:sld xmlns:a="http://schemas.openxmlformats.org/drawingml/2006/main" xmlns:r="http://schemas.openxmlformats.org/officeDocument/2006/relationships" xmlns:p="http://schemas.openxmlformats.org/presentationml/2006/main">
-  <p:cSld>
-    <p:spTree>
-      <p:nvGrpSpPr>
-        <p:cNvPr id="1" name=""/>
-        <p:cNvGrpSpPr/>
-        <p:nvPr/>
-      </p:nvGrpSpPr>
-      <p:grpSpPr>
-        <a:xfrm>
-          <a:off x="0" y="0"/>
-          <a:ext cx="0" cy="0"/>
-          <a:chOff x="0" y="0"/>
-          <a:chExt cx="0" cy="0"/>
-        </a:xfrm>
-      </p:grpSpPr>
-      <p:sp>
-        <p:nvSpPr>
-          <p:cNvPr id="2" name="Título 1"/>
-          <p:cNvSpPr>
-            <a:spLocks noGrp="1"/>
-          </p:cNvSpPr>
-          <p:nvPr>
-            <p:ph type="title"/>
-          </p:nvPr>
-        </p:nvSpPr>
-        <p:spPr/>
-        <p:txBody>
-          <a:bodyPr/>
-          <a:lstStyle/>
-          <a:p>
+              <a:t>Algoritmo evolucionário desenvolvido por John </a:t>
+            </a:r>
+            <a:r>
+              <a:rPr lang="pt-BR" dirty="0" err="1" smtClean="0"/>
+              <a:t>Holland</a:t>
+            </a:r>
+            <a:r>
+              <a:rPr lang="pt-BR" dirty="0"/>
+              <a:t> </a:t>
+            </a:r>
             <a:r>
               <a:rPr lang="pt-BR" dirty="0" smtClean="0"/>
-              <a:t>Metodologia – Algoritmo genético</a:t>
-            </a:r>
-            <a:endParaRPr lang="pt-BR" dirty="0"/>
-          </a:p>
-        </p:txBody>
-      </p:sp>
-      <p:sp>
-        <p:nvSpPr>
-          <p:cNvPr id="3" name="Espaço Reservado para Conteúdo 2"/>
-          <p:cNvSpPr>
-            <a:spLocks noGrp="1"/>
-          </p:cNvSpPr>
-          <p:nvPr>
-            <p:ph idx="1"/>
-          </p:nvPr>
-        </p:nvSpPr>
-        <p:spPr/>
-        <p:txBody>
-          <a:bodyPr/>
-          <a:lstStyle/>
-          <a:p>
-            <a:endParaRPr lang="pt-BR" dirty="0"/>
+              <a:t>(1975) e popularizado por David Goldberg (1989)</a:t>
+            </a:r>
+          </a:p>
+          <a:p>
+            <a:r>
+              <a:rPr lang="pt-BR" dirty="0" smtClean="0"/>
+              <a:t>Populações de soluções são criadas e submetidas ao processo semelhante ao de evolução.</a:t>
+            </a:r>
+          </a:p>
+          <a:p>
+            <a:r>
+              <a:rPr lang="pt-BR" dirty="0" smtClean="0"/>
+              <a:t>Se selecionam indivíduos (soluções) para o crossover podendo ter uma preferencia</a:t>
+            </a:r>
+          </a:p>
+          <a:p>
+            <a:r>
+              <a:rPr lang="pt-BR" dirty="0" smtClean="0"/>
+              <a:t>Combinam-se informações das soluções para se gerar novas soluções</a:t>
+            </a:r>
+          </a:p>
+          <a:p>
+            <a:r>
+              <a:rPr lang="pt-BR" dirty="0" smtClean="0"/>
+              <a:t>Na mutação, se introduz modificações randômicas para gerar diversificação</a:t>
+            </a:r>
+          </a:p>
+          <a:p>
+            <a:r>
+              <a:rPr lang="pt-BR" dirty="0" smtClean="0"/>
+              <a:t>Repete-se o processo pelo número de iterações definida</a:t>
+            </a:r>
           </a:p>
         </p:txBody>
       </p:sp>
@@ -6849,7 +6784,7 @@
 </p:sld>
 </file>
 
-<file path=ppt/slides/slide7.xml><?xml version="1.0" encoding="utf-8"?>
+<file path=ppt/slides/slide6.xml><?xml version="1.0" encoding="utf-8"?>
 <p:sld xmlns:a="http://schemas.openxmlformats.org/drawingml/2006/main" xmlns:r="http://schemas.openxmlformats.org/officeDocument/2006/relationships" xmlns:p="http://schemas.openxmlformats.org/presentationml/2006/main">
   <p:cSld>
     <p:spTree>
@@ -6964,7 +6899,7 @@
 </p:sld>
 </file>
 
-<file path=ppt/slides/slide8.xml><?xml version="1.0" encoding="utf-8"?>
+<file path=ppt/slides/slide7.xml><?xml version="1.0" encoding="utf-8"?>
 <p:sld xmlns:a="http://schemas.openxmlformats.org/drawingml/2006/main" xmlns:r="http://schemas.openxmlformats.org/officeDocument/2006/relationships" xmlns:p="http://schemas.openxmlformats.org/presentationml/2006/main">
   <p:cSld>
     <p:spTree>
@@ -7090,7 +7025,7 @@
 </p:sld>
 </file>
 
-<file path=ppt/slides/slide9.xml><?xml version="1.0" encoding="utf-8"?>
+<file path=ppt/slides/slide8.xml><?xml version="1.0" encoding="utf-8"?>
 <p:sld xmlns:a="http://schemas.openxmlformats.org/drawingml/2006/main" xmlns:r="http://schemas.openxmlformats.org/officeDocument/2006/relationships" xmlns:p="http://schemas.openxmlformats.org/presentationml/2006/main">
   <p:cSld>
     <p:spTree>
@@ -7192,6 +7127,92 @@
     <p:extLst>
       <p:ext uri="{BB962C8B-B14F-4D97-AF65-F5344CB8AC3E}">
         <p14:creationId xmlns:p14="http://schemas.microsoft.com/office/powerpoint/2010/main" val="3601535750"/>
+      </p:ext>
+    </p:extLst>
+  </p:cSld>
+  <p:clrMapOvr>
+    <a:masterClrMapping/>
+  </p:clrMapOvr>
+</p:sld>
+</file>
+
+<file path=ppt/slides/slide9.xml><?xml version="1.0" encoding="utf-8"?>
+<p:sld xmlns:a="http://schemas.openxmlformats.org/drawingml/2006/main" xmlns:r="http://schemas.openxmlformats.org/officeDocument/2006/relationships" xmlns:p="http://schemas.openxmlformats.org/presentationml/2006/main">
+  <p:cSld>
+    <p:spTree>
+      <p:nvGrpSpPr>
+        <p:cNvPr id="1" name=""/>
+        <p:cNvGrpSpPr/>
+        <p:nvPr/>
+      </p:nvGrpSpPr>
+      <p:grpSpPr>
+        <a:xfrm>
+          <a:off x="0" y="0"/>
+          <a:ext cx="0" cy="0"/>
+          <a:chOff x="0" y="0"/>
+          <a:chExt cx="0" cy="0"/>
+        </a:xfrm>
+      </p:grpSpPr>
+      <p:sp>
+        <p:nvSpPr>
+          <p:cNvPr id="2" name="Título 1"/>
+          <p:cNvSpPr>
+            <a:spLocks noGrp="1"/>
+          </p:cNvSpPr>
+          <p:nvPr>
+            <p:ph type="title"/>
+          </p:nvPr>
+        </p:nvSpPr>
+        <p:spPr/>
+        <p:txBody>
+          <a:bodyPr/>
+          <a:lstStyle/>
+          <a:p>
+            <a:r>
+              <a:rPr lang="pt-BR" dirty="0" smtClean="0"/>
+              <a:t>Pontos não abordados</a:t>
+            </a:r>
+            <a:endParaRPr lang="pt-BR" dirty="0"/>
+          </a:p>
+        </p:txBody>
+      </p:sp>
+      <p:sp>
+        <p:nvSpPr>
+          <p:cNvPr id="3" name="Espaço Reservado para Conteúdo 2"/>
+          <p:cNvSpPr>
+            <a:spLocks noGrp="1"/>
+          </p:cNvSpPr>
+          <p:nvPr>
+            <p:ph idx="1"/>
+          </p:nvPr>
+        </p:nvSpPr>
+        <p:spPr/>
+        <p:txBody>
+          <a:bodyPr/>
+          <a:lstStyle/>
+          <a:p>
+            <a:r>
+              <a:rPr lang="pt-BR" dirty="0"/>
+              <a:t>Testar novas técnicas e realizar </a:t>
+            </a:r>
+            <a:r>
+              <a:rPr lang="pt-BR" dirty="0" smtClean="0"/>
+              <a:t>comparações</a:t>
+            </a:r>
+          </a:p>
+          <a:p>
+            <a:r>
+              <a:rPr lang="pt-BR" dirty="0" smtClean="0"/>
+              <a:t>No final, o projeto abordou novos temas e não testou soluções diferentes para validar qual a mais eficiente</a:t>
+            </a:r>
+            <a:endParaRPr lang="pt-BR" dirty="0"/>
+          </a:p>
+        </p:txBody>
+      </p:sp>
+    </p:spTree>
+    <p:extLst>
+      <p:ext uri="{BB962C8B-B14F-4D97-AF65-F5344CB8AC3E}">
+        <p14:creationId xmlns:p14="http://schemas.microsoft.com/office/powerpoint/2010/main" val="3103695961"/>
       </p:ext>
     </p:extLst>
   </p:cSld>
